--- a/Data_Science_Analytics_Landscape_Draft.pptx
+++ b/Data_Science_Analytics_Landscape_Draft.pptx
@@ -5,7 +5,7 @@
     <p:sldMasterId id="2147483648" r:id="rId1"/>
   </p:sldMasterIdLst>
   <p:notesMasterIdLst>
-    <p:notesMasterId r:id="rId21"/>
+    <p:notesMasterId r:id="rId22"/>
   </p:notesMasterIdLst>
   <p:sldIdLst>
     <p:sldId id="256" r:id="rId2"/>
@@ -16,17 +16,18 @@
     <p:sldId id="271" r:id="rId7"/>
     <p:sldId id="272" r:id="rId8"/>
     <p:sldId id="275" r:id="rId9"/>
-    <p:sldId id="276" r:id="rId10"/>
-    <p:sldId id="277" r:id="rId11"/>
-    <p:sldId id="261" r:id="rId12"/>
-    <p:sldId id="260" r:id="rId13"/>
-    <p:sldId id="263" r:id="rId14"/>
-    <p:sldId id="264" r:id="rId15"/>
-    <p:sldId id="266" r:id="rId16"/>
-    <p:sldId id="267" r:id="rId17"/>
-    <p:sldId id="265" r:id="rId18"/>
-    <p:sldId id="268" r:id="rId19"/>
-    <p:sldId id="269" r:id="rId20"/>
+    <p:sldId id="278" r:id="rId10"/>
+    <p:sldId id="276" r:id="rId11"/>
+    <p:sldId id="277" r:id="rId12"/>
+    <p:sldId id="261" r:id="rId13"/>
+    <p:sldId id="260" r:id="rId14"/>
+    <p:sldId id="263" r:id="rId15"/>
+    <p:sldId id="264" r:id="rId16"/>
+    <p:sldId id="266" r:id="rId17"/>
+    <p:sldId id="267" r:id="rId18"/>
+    <p:sldId id="265" r:id="rId19"/>
+    <p:sldId id="268" r:id="rId20"/>
+    <p:sldId id="269" r:id="rId21"/>
   </p:sldIdLst>
   <p:sldSz cx="12192000" cy="6858000"/>
   <p:notesSz cx="6858000" cy="9144000"/>
@@ -136,7 +137,7 @@
 <file path=ppt/revisionInfo.xml><?xml version="1.0" encoding="utf-8"?>
 <p1510:revInfo xmlns:a="http://schemas.openxmlformats.org/drawingml/2006/main" xmlns:r="http://schemas.openxmlformats.org/officeDocument/2006/relationships" xmlns:p1510="http://schemas.microsoft.com/office/powerpoint/2015/10/main">
   <p1510:revLst>
-    <p1510:client id="{64875135-7E5F-4747-9361-C569188F0F34}" v="213" dt="2023-03-01T19:19:10.015"/>
+    <p1510:client id="{64875135-7E5F-4747-9361-C569188F0F34}" v="215" dt="2023-03-03T09:35:07.421"/>
   </p1510:revLst>
 </p1510:revInfo>
 </file>
@@ -170,7 +171,7 @@
   <pc:docChgLst>
     <pc:chgData name="Aniket Chhabra" userId="598e0514-bef3-4e71-b6aa-f2edd6441cff" providerId="ADAL" clId="{64875135-7E5F-4747-9361-C569188F0F34}"/>
     <pc:docChg chg="undo redo custSel addSld delSld modSld sldOrd">
-      <pc:chgData name="Aniket Chhabra" userId="598e0514-bef3-4e71-b6aa-f2edd6441cff" providerId="ADAL" clId="{64875135-7E5F-4747-9361-C569188F0F34}" dt="2023-03-01T19:19:32.377" v="3555" actId="20577"/>
+      <pc:chgData name="Aniket Chhabra" userId="598e0514-bef3-4e71-b6aa-f2edd6441cff" providerId="ADAL" clId="{64875135-7E5F-4747-9361-C569188F0F34}" dt="2023-03-03T09:41:54.885" v="4118" actId="20577"/>
       <pc:docMkLst>
         <pc:docMk/>
       </pc:docMkLst>
@@ -465,13 +466,13 @@
         </pc:spChg>
       </pc:sldChg>
       <pc:sldChg chg="modSp add mod">
-        <pc:chgData name="Aniket Chhabra" userId="598e0514-bef3-4e71-b6aa-f2edd6441cff" providerId="ADAL" clId="{64875135-7E5F-4747-9361-C569188F0F34}" dt="2023-03-01T19:08:19.250" v="3093" actId="20577"/>
+        <pc:chgData name="Aniket Chhabra" userId="598e0514-bef3-4e71-b6aa-f2edd6441cff" providerId="ADAL" clId="{64875135-7E5F-4747-9361-C569188F0F34}" dt="2023-03-03T09:41:35.999" v="4082" actId="20577"/>
         <pc:sldMkLst>
           <pc:docMk/>
           <pc:sldMk cId="3571792429" sldId="275"/>
         </pc:sldMkLst>
         <pc:spChg chg="mod">
-          <ac:chgData name="Aniket Chhabra" userId="598e0514-bef3-4e71-b6aa-f2edd6441cff" providerId="ADAL" clId="{64875135-7E5F-4747-9361-C569188F0F34}" dt="2023-03-01T19:02:02.373" v="2692" actId="20577"/>
+          <ac:chgData name="Aniket Chhabra" userId="598e0514-bef3-4e71-b6aa-f2edd6441cff" providerId="ADAL" clId="{64875135-7E5F-4747-9361-C569188F0F34}" dt="2023-03-03T09:38:23.622" v="3787" actId="20577"/>
           <ac:spMkLst>
             <pc:docMk/>
             <pc:sldMk cId="3571792429" sldId="275"/>
@@ -479,7 +480,7 @@
           </ac:spMkLst>
         </pc:spChg>
         <pc:spChg chg="mod">
-          <ac:chgData name="Aniket Chhabra" userId="598e0514-bef3-4e71-b6aa-f2edd6441cff" providerId="ADAL" clId="{64875135-7E5F-4747-9361-C569188F0F34}" dt="2023-03-01T18:57:18.130" v="2649"/>
+          <ac:chgData name="Aniket Chhabra" userId="598e0514-bef3-4e71-b6aa-f2edd6441cff" providerId="ADAL" clId="{64875135-7E5F-4747-9361-C569188F0F34}" dt="2023-03-03T09:37:14.732" v="3743" actId="404"/>
           <ac:spMkLst>
             <pc:docMk/>
             <pc:sldMk cId="3571792429" sldId="275"/>
@@ -487,7 +488,7 @@
           </ac:spMkLst>
         </pc:spChg>
         <pc:spChg chg="mod">
-          <ac:chgData name="Aniket Chhabra" userId="598e0514-bef3-4e71-b6aa-f2edd6441cff" providerId="ADAL" clId="{64875135-7E5F-4747-9361-C569188F0F34}" dt="2023-03-01T19:02:31.975" v="2747" actId="20577"/>
+          <ac:chgData name="Aniket Chhabra" userId="598e0514-bef3-4e71-b6aa-f2edd6441cff" providerId="ADAL" clId="{64875135-7E5F-4747-9361-C569188F0F34}" dt="2023-03-03T09:39:53.274" v="3917" actId="20577"/>
           <ac:spMkLst>
             <pc:docMk/>
             <pc:sldMk cId="3571792429" sldId="275"/>
@@ -495,7 +496,7 @@
           </ac:spMkLst>
         </pc:spChg>
         <pc:spChg chg="mod">
-          <ac:chgData name="Aniket Chhabra" userId="598e0514-bef3-4e71-b6aa-f2edd6441cff" providerId="ADAL" clId="{64875135-7E5F-4747-9361-C569188F0F34}" dt="2023-03-01T19:03:33.484" v="2807" actId="20577"/>
+          <ac:chgData name="Aniket Chhabra" userId="598e0514-bef3-4e71-b6aa-f2edd6441cff" providerId="ADAL" clId="{64875135-7E5F-4747-9361-C569188F0F34}" dt="2023-03-03T09:41:35.999" v="4082" actId="20577"/>
           <ac:spMkLst>
             <pc:docMk/>
             <pc:sldMk cId="3571792429" sldId="275"/>
@@ -596,6 +597,44 @@
             <ac:spMk id="2" creationId="{08D23AA8-3CC3-6037-2181-74A2EC7AE2CE}"/>
           </ac:spMkLst>
         </pc:spChg>
+      </pc:sldChg>
+      <pc:sldChg chg="modSp add mod">
+        <pc:chgData name="Aniket Chhabra" userId="598e0514-bef3-4e71-b6aa-f2edd6441cff" providerId="ADAL" clId="{64875135-7E5F-4747-9361-C569188F0F34}" dt="2023-03-03T09:41:54.885" v="4118" actId="20577"/>
+        <pc:sldMkLst>
+          <pc:docMk/>
+          <pc:sldMk cId="121318287" sldId="278"/>
+        </pc:sldMkLst>
+        <pc:spChg chg="mod">
+          <ac:chgData name="Aniket Chhabra" userId="598e0514-bef3-4e71-b6aa-f2edd6441cff" providerId="ADAL" clId="{64875135-7E5F-4747-9361-C569188F0F34}" dt="2023-03-03T09:41:54.885" v="4118" actId="20577"/>
+          <ac:spMkLst>
+            <pc:docMk/>
+            <pc:sldMk cId="121318287" sldId="278"/>
+            <ac:spMk id="3" creationId="{C190ADC7-9E47-837F-3B74-0913C79C854D}"/>
+          </ac:spMkLst>
+        </pc:spChg>
+        <pc:spChg chg="mod">
+          <ac:chgData name="Aniket Chhabra" userId="598e0514-bef3-4e71-b6aa-f2edd6441cff" providerId="ADAL" clId="{64875135-7E5F-4747-9361-C569188F0F34}" dt="2023-03-03T09:37:29.289" v="3755" actId="20577"/>
+          <ac:spMkLst>
+            <pc:docMk/>
+            <pc:sldMk cId="121318287" sldId="278"/>
+            <ac:spMk id="24" creationId="{4320D15F-D78E-5FA1-83E1-6B172231C0E7}"/>
+          </ac:spMkLst>
+        </pc:spChg>
+        <pc:spChg chg="mod">
+          <ac:chgData name="Aniket Chhabra" userId="598e0514-bef3-4e71-b6aa-f2edd6441cff" providerId="ADAL" clId="{64875135-7E5F-4747-9361-C569188F0F34}" dt="2023-03-03T09:41:21.838" v="4078" actId="20577"/>
+          <ac:spMkLst>
+            <pc:docMk/>
+            <pc:sldMk cId="121318287" sldId="278"/>
+            <ac:spMk id="29" creationId="{4FC3A37B-B8EB-6796-9C26-B8F6B2C2C55C}"/>
+          </ac:spMkLst>
+        </pc:spChg>
+      </pc:sldChg>
+      <pc:sldChg chg="add del">
+        <pc:chgData name="Aniket Chhabra" userId="598e0514-bef3-4e71-b6aa-f2edd6441cff" providerId="ADAL" clId="{64875135-7E5F-4747-9361-C569188F0F34}" dt="2023-03-03T09:35:04.173" v="3557" actId="2696"/>
+        <pc:sldMkLst>
+          <pc:docMk/>
+          <pc:sldMk cId="2574624998" sldId="278"/>
+        </pc:sldMkLst>
       </pc:sldChg>
     </pc:docChg>
   </pc:docChgLst>
@@ -7267,7 +7306,7 @@
           <a:p>
             <a:fld id="{F5B1481D-6F29-BE42-A8EA-5750C2A4E8BB}" type="datetimeFigureOut">
               <a:rPr lang="en-US" smtClean="0"/>
-              <a:t>3/1/23</a:t>
+              <a:t>3/3/23</a:t>
             </a:fld>
             <a:endParaRPr lang="en-US"/>
           </a:p>
@@ -7610,7 +7649,7 @@
           <a:p>
             <a:fld id="{A996C588-AE6F-9A42-BC2A-6AEEE34FE88A}" type="slidenum">
               <a:rPr lang="en-US" smtClean="0"/>
-              <a:t>16</a:t>
+              <a:t>17</a:t>
             </a:fld>
             <a:endParaRPr lang="en-US"/>
           </a:p>
@@ -7776,7 +7815,7 @@
           <a:p>
             <a:fld id="{CDFFE70E-4FB9-3343-98E1-2F785D21CCB0}" type="datetimeFigureOut">
               <a:rPr lang="en-US" smtClean="0"/>
-              <a:t>3/1/23</a:t>
+              <a:t>3/3/23</a:t>
             </a:fld>
             <a:endParaRPr lang="en-US"/>
           </a:p>
@@ -7974,7 +8013,7 @@
           <a:p>
             <a:fld id="{CDFFE70E-4FB9-3343-98E1-2F785D21CCB0}" type="datetimeFigureOut">
               <a:rPr lang="en-US" smtClean="0"/>
-              <a:t>3/1/23</a:t>
+              <a:t>3/3/23</a:t>
             </a:fld>
             <a:endParaRPr lang="en-US"/>
           </a:p>
@@ -8182,7 +8221,7 @@
           <a:p>
             <a:fld id="{CDFFE70E-4FB9-3343-98E1-2F785D21CCB0}" type="datetimeFigureOut">
               <a:rPr lang="en-US" smtClean="0"/>
-              <a:t>3/1/23</a:t>
+              <a:t>3/3/23</a:t>
             </a:fld>
             <a:endParaRPr lang="en-US"/>
           </a:p>
@@ -8380,7 +8419,7 @@
           <a:p>
             <a:fld id="{CDFFE70E-4FB9-3343-98E1-2F785D21CCB0}" type="datetimeFigureOut">
               <a:rPr lang="en-US" smtClean="0"/>
-              <a:t>3/1/23</a:t>
+              <a:t>3/3/23</a:t>
             </a:fld>
             <a:endParaRPr lang="en-US"/>
           </a:p>
@@ -8655,7 +8694,7 @@
           <a:p>
             <a:fld id="{CDFFE70E-4FB9-3343-98E1-2F785D21CCB0}" type="datetimeFigureOut">
               <a:rPr lang="en-US" smtClean="0"/>
-              <a:t>3/1/23</a:t>
+              <a:t>3/3/23</a:t>
             </a:fld>
             <a:endParaRPr lang="en-US"/>
           </a:p>
@@ -8920,7 +8959,7 @@
           <a:p>
             <a:fld id="{CDFFE70E-4FB9-3343-98E1-2F785D21CCB0}" type="datetimeFigureOut">
               <a:rPr lang="en-US" smtClean="0"/>
-              <a:t>3/1/23</a:t>
+              <a:t>3/3/23</a:t>
             </a:fld>
             <a:endParaRPr lang="en-US"/>
           </a:p>
@@ -9332,7 +9371,7 @@
           <a:p>
             <a:fld id="{CDFFE70E-4FB9-3343-98E1-2F785D21CCB0}" type="datetimeFigureOut">
               <a:rPr lang="en-US" smtClean="0"/>
-              <a:t>3/1/23</a:t>
+              <a:t>3/3/23</a:t>
             </a:fld>
             <a:endParaRPr lang="en-US"/>
           </a:p>
@@ -9473,7 +9512,7 @@
           <a:p>
             <a:fld id="{CDFFE70E-4FB9-3343-98E1-2F785D21CCB0}" type="datetimeFigureOut">
               <a:rPr lang="en-US" smtClean="0"/>
-              <a:t>3/1/23</a:t>
+              <a:t>3/3/23</a:t>
             </a:fld>
             <a:endParaRPr lang="en-US"/>
           </a:p>
@@ -9586,7 +9625,7 @@
           <a:p>
             <a:fld id="{CDFFE70E-4FB9-3343-98E1-2F785D21CCB0}" type="datetimeFigureOut">
               <a:rPr lang="en-US" smtClean="0"/>
-              <a:t>3/1/23</a:t>
+              <a:t>3/3/23</a:t>
             </a:fld>
             <a:endParaRPr lang="en-US"/>
           </a:p>
@@ -9897,7 +9936,7 @@
           <a:p>
             <a:fld id="{CDFFE70E-4FB9-3343-98E1-2F785D21CCB0}" type="datetimeFigureOut">
               <a:rPr lang="en-US" smtClean="0"/>
-              <a:t>3/1/23</a:t>
+              <a:t>3/3/23</a:t>
             </a:fld>
             <a:endParaRPr lang="en-US"/>
           </a:p>
@@ -10185,7 +10224,7 @@
           <a:p>
             <a:fld id="{CDFFE70E-4FB9-3343-98E1-2F785D21CCB0}" type="datetimeFigureOut">
               <a:rPr lang="en-US" smtClean="0"/>
-              <a:t>3/1/23</a:t>
+              <a:t>3/3/23</a:t>
             </a:fld>
             <a:endParaRPr lang="en-US"/>
           </a:p>
@@ -10426,7 +10465,7 @@
           <a:p>
             <a:fld id="{CDFFE70E-4FB9-3343-98E1-2F785D21CCB0}" type="datetimeFigureOut">
               <a:rPr lang="en-US" smtClean="0"/>
-              <a:t>3/1/23</a:t>
+              <a:t>3/3/23</a:t>
             </a:fld>
             <a:endParaRPr lang="en-US"/>
           </a:p>
@@ -10933,6 +10972,1017 @@
       </p:grpSpPr>
       <p:sp>
         <p:nvSpPr>
+          <p:cNvPr id="3" name="Round Diagonal Corner Rectangle 2">
+            <a:extLst>
+              <a:ext uri="{FF2B5EF4-FFF2-40B4-BE49-F238E27FC236}">
+                <a16:creationId xmlns:a16="http://schemas.microsoft.com/office/drawing/2014/main" id="{C190ADC7-9E47-837F-3B74-0913C79C854D}"/>
+              </a:ext>
+            </a:extLst>
+          </p:cNvPr>
+          <p:cNvSpPr/>
+          <p:nvPr/>
+        </p:nvSpPr>
+        <p:spPr>
+          <a:xfrm>
+            <a:off x="1421393" y="1331049"/>
+            <a:ext cx="10375272" cy="914205"/>
+          </a:xfrm>
+          <a:prstGeom prst="round2DiagRect">
+            <a:avLst/>
+          </a:prstGeom>
+          <a:solidFill>
+            <a:schemeClr val="bg1">
+              <a:lumMod val="95000"/>
+            </a:schemeClr>
+          </a:solidFill>
+          <a:ln>
+            <a:solidFill>
+              <a:schemeClr val="bg1">
+                <a:lumMod val="50000"/>
+              </a:schemeClr>
+            </a:solidFill>
+          </a:ln>
+        </p:spPr>
+        <p:style>
+          <a:lnRef idx="2">
+            <a:schemeClr val="accent1">
+              <a:shade val="50000"/>
+            </a:schemeClr>
+          </a:lnRef>
+          <a:fillRef idx="1">
+            <a:schemeClr val="accent1"/>
+          </a:fillRef>
+          <a:effectRef idx="0">
+            <a:schemeClr val="accent1"/>
+          </a:effectRef>
+          <a:fontRef idx="minor">
+            <a:schemeClr val="lt1"/>
+          </a:fontRef>
+        </p:style>
+        <p:txBody>
+          <a:bodyPr rtlCol="0" anchor="ctr"/>
+          <a:lstStyle/>
+          <a:p>
+            <a:pPr marL="285750" indent="-285750">
+              <a:buFont typeface="Arial" panose="020B0604020202020204" pitchFamily="34" charset="0"/>
+              <a:buChar char="•"/>
+            </a:pPr>
+            <a:r>
+              <a:rPr lang="en-US" sz="1200" dirty="0">
+                <a:solidFill>
+                  <a:schemeClr val="tx1"/>
+                </a:solidFill>
+              </a:rPr>
+              <a:t>5-10 years of experience and non-technical domains</a:t>
+            </a:r>
+          </a:p>
+          <a:p>
+            <a:pPr marL="285750" indent="-285750">
+              <a:buFont typeface="Arial" panose="020B0604020202020204" pitchFamily="34" charset="0"/>
+              <a:buChar char="•"/>
+            </a:pPr>
+            <a:r>
+              <a:rPr lang="en-US" sz="1200" dirty="0">
+                <a:solidFill>
+                  <a:schemeClr val="tx1"/>
+                </a:solidFill>
+              </a:rPr>
+              <a:t>No exposure to technical skills/tools like – SQL, Python, Excel, Tableau and other analytical tools</a:t>
+            </a:r>
+          </a:p>
+          <a:p>
+            <a:pPr marL="285750" indent="-285750">
+              <a:buFont typeface="Arial" panose="020B0604020202020204" pitchFamily="34" charset="0"/>
+              <a:buChar char="•"/>
+            </a:pPr>
+            <a:r>
+              <a:rPr lang="en-US" sz="1200" b="1" dirty="0">
+                <a:solidFill>
+                  <a:schemeClr val="tx1"/>
+                </a:solidFill>
+              </a:rPr>
+              <a:t>Education – </a:t>
+            </a:r>
+          </a:p>
+          <a:p>
+            <a:pPr marL="285750" indent="-285750">
+              <a:buFont typeface="Arial" panose="020B0604020202020204" pitchFamily="34" charset="0"/>
+              <a:buChar char="•"/>
+            </a:pPr>
+            <a:r>
+              <a:rPr lang="en-US" sz="1200" b="1" dirty="0">
+                <a:solidFill>
+                  <a:srgbClr val="7030A0"/>
+                </a:solidFill>
+              </a:rPr>
+              <a:t>Goal – Aspiring a Senior Data scientist/Analyst role </a:t>
+            </a:r>
+          </a:p>
+        </p:txBody>
+      </p:sp>
+      <p:sp>
+        <p:nvSpPr>
+          <p:cNvPr id="25" name="Rounded Rectangle 24">
+            <a:extLst>
+              <a:ext uri="{FF2B5EF4-FFF2-40B4-BE49-F238E27FC236}">
+                <a16:creationId xmlns:a16="http://schemas.microsoft.com/office/drawing/2014/main" id="{0CF701A2-1191-AB84-F037-D8C1CC4E63BD}"/>
+              </a:ext>
+            </a:extLst>
+          </p:cNvPr>
+          <p:cNvSpPr/>
+          <p:nvPr/>
+        </p:nvSpPr>
+        <p:spPr>
+          <a:xfrm>
+            <a:off x="881389" y="2766558"/>
+            <a:ext cx="2002323" cy="3534654"/>
+          </a:xfrm>
+          <a:prstGeom prst="roundRect">
+            <a:avLst/>
+          </a:prstGeom>
+          <a:solidFill>
+            <a:schemeClr val="accent2">
+              <a:lumMod val="20000"/>
+              <a:lumOff val="80000"/>
+            </a:schemeClr>
+          </a:solidFill>
+          <a:ln>
+            <a:solidFill>
+              <a:schemeClr val="accent2"/>
+            </a:solidFill>
+          </a:ln>
+        </p:spPr>
+        <p:style>
+          <a:lnRef idx="2">
+            <a:schemeClr val="accent1"/>
+          </a:lnRef>
+          <a:fillRef idx="1">
+            <a:schemeClr val="lt1"/>
+          </a:fillRef>
+          <a:effectRef idx="0">
+            <a:schemeClr val="accent1"/>
+          </a:effectRef>
+          <a:fontRef idx="minor">
+            <a:schemeClr val="dk1"/>
+          </a:fontRef>
+        </p:style>
+        <p:txBody>
+          <a:bodyPr rtlCol="0" anchor="ctr"/>
+          <a:lstStyle/>
+          <a:p>
+            <a:pPr marL="102870" indent="-102870">
+              <a:spcAft>
+                <a:spcPts val="600"/>
+              </a:spcAft>
+              <a:buFont typeface="Arial" panose="020B0604020202020204" pitchFamily="34" charset="0"/>
+              <a:buChar char="•"/>
+            </a:pPr>
+            <a:r>
+              <a:rPr lang="en-US" sz="1400" dirty="0">
+                <a:solidFill>
+                  <a:schemeClr val="tx1"/>
+                </a:solidFill>
+              </a:rPr>
+              <a:t>Ops Tools</a:t>
+            </a:r>
+          </a:p>
+          <a:p>
+            <a:pPr marL="102870" indent="-102870">
+              <a:spcAft>
+                <a:spcPts val="600"/>
+              </a:spcAft>
+              <a:buFont typeface="Arial" panose="020B0604020202020204" pitchFamily="34" charset="0"/>
+              <a:buChar char="•"/>
+            </a:pPr>
+            <a:r>
+              <a:rPr lang="en-US" sz="1400" dirty="0">
+                <a:solidFill>
+                  <a:schemeClr val="tx1"/>
+                </a:solidFill>
+              </a:rPr>
+              <a:t>Finance/Accounting Frameworks </a:t>
+            </a:r>
+          </a:p>
+          <a:p>
+            <a:pPr marL="102870" indent="-102870">
+              <a:spcAft>
+                <a:spcPts val="600"/>
+              </a:spcAft>
+              <a:buFont typeface="Arial" panose="020B0604020202020204" pitchFamily="34" charset="0"/>
+              <a:buChar char="•"/>
+            </a:pPr>
+            <a:r>
+              <a:rPr lang="en-US" sz="1400" dirty="0">
+                <a:solidFill>
+                  <a:schemeClr val="tx1"/>
+                </a:solidFill>
+              </a:rPr>
+              <a:t>Marketing Head</a:t>
+            </a:r>
+          </a:p>
+          <a:p>
+            <a:pPr marL="102870" indent="-102870">
+              <a:spcAft>
+                <a:spcPts val="600"/>
+              </a:spcAft>
+              <a:buFont typeface="Arial" panose="020B0604020202020204" pitchFamily="34" charset="0"/>
+              <a:buChar char="•"/>
+            </a:pPr>
+            <a:r>
+              <a:rPr lang="en-US" sz="1400" dirty="0">
+                <a:solidFill>
+                  <a:schemeClr val="tx1"/>
+                </a:solidFill>
+              </a:rPr>
+              <a:t>Business/domain head</a:t>
+            </a:r>
+          </a:p>
+          <a:p>
+            <a:pPr marL="102870" indent="-102870">
+              <a:spcAft>
+                <a:spcPts val="600"/>
+              </a:spcAft>
+              <a:buFont typeface="Arial" panose="020B0604020202020204" pitchFamily="34" charset="0"/>
+              <a:buChar char="•"/>
+            </a:pPr>
+            <a:r>
+              <a:rPr lang="en-US" sz="1400" dirty="0">
+                <a:solidFill>
+                  <a:schemeClr val="tx1"/>
+                </a:solidFill>
+              </a:rPr>
+              <a:t>Business KPIs tracking</a:t>
+            </a:r>
+          </a:p>
+        </p:txBody>
+      </p:sp>
+      <p:sp>
+        <p:nvSpPr>
+          <p:cNvPr id="26" name="Rectangle: Rounded Corners 24">
+            <a:extLst>
+              <a:ext uri="{FF2B5EF4-FFF2-40B4-BE49-F238E27FC236}">
+                <a16:creationId xmlns:a16="http://schemas.microsoft.com/office/drawing/2014/main" id="{C365C185-0BD7-82EC-9516-B5C47406F69B}"/>
+              </a:ext>
+            </a:extLst>
+          </p:cNvPr>
+          <p:cNvSpPr/>
+          <p:nvPr/>
+        </p:nvSpPr>
+        <p:spPr>
+          <a:xfrm>
+            <a:off x="935303" y="2566389"/>
+            <a:ext cx="1907067" cy="455566"/>
+          </a:xfrm>
+          <a:prstGeom prst="roundRect">
+            <a:avLst/>
+          </a:prstGeom>
+          <a:solidFill>
+            <a:schemeClr val="accent2">
+              <a:lumMod val="60000"/>
+              <a:lumOff val="40000"/>
+            </a:schemeClr>
+          </a:solidFill>
+          <a:ln>
+            <a:solidFill>
+              <a:schemeClr val="accent2"/>
+            </a:solidFill>
+          </a:ln>
+        </p:spPr>
+        <p:style>
+          <a:lnRef idx="2">
+            <a:schemeClr val="accent1">
+              <a:shade val="50000"/>
+            </a:schemeClr>
+          </a:lnRef>
+          <a:fillRef idx="1">
+            <a:schemeClr val="accent1"/>
+          </a:fillRef>
+          <a:effectRef idx="0">
+            <a:schemeClr val="accent1"/>
+          </a:effectRef>
+          <a:fontRef idx="minor">
+            <a:schemeClr val="lt1"/>
+          </a:fontRef>
+        </p:style>
+        <p:txBody>
+          <a:bodyPr rot="0" spcFirstLastPara="0" vertOverflow="overflow" horzOverflow="overflow" vert="horz" wrap="square" lIns="0" tIns="0" rIns="0" bIns="0" numCol="1" spcCol="0" rtlCol="0" fromWordArt="0" anchor="ctr" anchorCtr="0" forceAA="0" compatLnSpc="1">
+            <a:prstTxWarp prst="textNoShape">
+              <a:avLst/>
+            </a:prstTxWarp>
+            <a:noAutofit/>
+          </a:bodyPr>
+          <a:lstStyle/>
+          <a:p>
+            <a:pPr algn="ctr"/>
+            <a:r>
+              <a:rPr lang="en-US" sz="1400" b="1" dirty="0">
+                <a:solidFill>
+                  <a:schemeClr val="tx1"/>
+                </a:solidFill>
+              </a:rPr>
+              <a:t>Existing Technical Skills</a:t>
+            </a:r>
+          </a:p>
+        </p:txBody>
+      </p:sp>
+      <p:sp>
+        <p:nvSpPr>
+          <p:cNvPr id="29" name="Rounded Rectangle 28">
+            <a:extLst>
+              <a:ext uri="{FF2B5EF4-FFF2-40B4-BE49-F238E27FC236}">
+                <a16:creationId xmlns:a16="http://schemas.microsoft.com/office/drawing/2014/main" id="{4FC3A37B-B8EB-6796-9C26-B8F6B2C2C55C}"/>
+              </a:ext>
+            </a:extLst>
+          </p:cNvPr>
+          <p:cNvSpPr/>
+          <p:nvPr/>
+        </p:nvSpPr>
+        <p:spPr>
+          <a:xfrm>
+            <a:off x="3515538" y="2901862"/>
+            <a:ext cx="2112262" cy="3399349"/>
+          </a:xfrm>
+          <a:prstGeom prst="roundRect">
+            <a:avLst/>
+          </a:prstGeom>
+          <a:solidFill>
+            <a:schemeClr val="accent4">
+              <a:lumMod val="20000"/>
+              <a:lumOff val="80000"/>
+            </a:schemeClr>
+          </a:solidFill>
+          <a:ln>
+            <a:solidFill>
+              <a:schemeClr val="accent4"/>
+            </a:solidFill>
+          </a:ln>
+        </p:spPr>
+        <p:style>
+          <a:lnRef idx="2">
+            <a:schemeClr val="accent1"/>
+          </a:lnRef>
+          <a:fillRef idx="1">
+            <a:schemeClr val="lt1"/>
+          </a:fillRef>
+          <a:effectRef idx="0">
+            <a:schemeClr val="accent1"/>
+          </a:effectRef>
+          <a:fontRef idx="minor">
+            <a:schemeClr val="dk1"/>
+          </a:fontRef>
+        </p:style>
+        <p:txBody>
+          <a:bodyPr rtlCol="0" anchor="ctr"/>
+          <a:lstStyle/>
+          <a:p>
+            <a:pPr marL="102870" indent="-102870">
+              <a:spcAft>
+                <a:spcPts val="600"/>
+              </a:spcAft>
+              <a:buFont typeface="Arial" panose="020B0604020202020204" pitchFamily="34" charset="0"/>
+              <a:buChar char="•"/>
+            </a:pPr>
+            <a:r>
+              <a:rPr lang="en-US" sz="1400" dirty="0">
+                <a:solidFill>
+                  <a:schemeClr val="tx1"/>
+                </a:solidFill>
+              </a:rPr>
+              <a:t>A professional certification/Degree</a:t>
+            </a:r>
+          </a:p>
+          <a:p>
+            <a:pPr marL="102870" indent="-102870">
+              <a:spcAft>
+                <a:spcPts val="600"/>
+              </a:spcAft>
+              <a:buFont typeface="Arial" panose="020B0604020202020204" pitchFamily="34" charset="0"/>
+              <a:buChar char="•"/>
+            </a:pPr>
+            <a:r>
+              <a:rPr lang="en-US" sz="1400" dirty="0">
+                <a:solidFill>
+                  <a:schemeClr val="tx1"/>
+                </a:solidFill>
+              </a:rPr>
+              <a:t>Deep understanding of across the funnel marketing/customer/product analytics</a:t>
+            </a:r>
+          </a:p>
+          <a:p>
+            <a:pPr marL="102870" indent="-102870">
+              <a:spcAft>
+                <a:spcPts val="600"/>
+              </a:spcAft>
+              <a:buFont typeface="Arial" panose="020B0604020202020204" pitchFamily="34" charset="0"/>
+              <a:buChar char="•"/>
+            </a:pPr>
+            <a:r>
+              <a:rPr lang="en-US" sz="1400" dirty="0">
+                <a:solidFill>
+                  <a:schemeClr val="tx1"/>
+                </a:solidFill>
+              </a:rPr>
+              <a:t>Data Science/ML  capabilities</a:t>
+            </a:r>
+          </a:p>
+          <a:p>
+            <a:pPr marL="102870" indent="-102870">
+              <a:spcAft>
+                <a:spcPts val="600"/>
+              </a:spcAft>
+              <a:buFont typeface="Arial" panose="020B0604020202020204" pitchFamily="34" charset="0"/>
+              <a:buChar char="•"/>
+            </a:pPr>
+            <a:r>
+              <a:rPr lang="en-US" sz="1400" dirty="0">
+                <a:solidFill>
+                  <a:schemeClr val="tx1"/>
+                </a:solidFill>
+              </a:rPr>
+              <a:t>Data backed decision making</a:t>
+            </a:r>
+          </a:p>
+        </p:txBody>
+      </p:sp>
+      <p:sp>
+        <p:nvSpPr>
+          <p:cNvPr id="30" name="Rectangle: Rounded Corners 24">
+            <a:extLst>
+              <a:ext uri="{FF2B5EF4-FFF2-40B4-BE49-F238E27FC236}">
+                <a16:creationId xmlns:a16="http://schemas.microsoft.com/office/drawing/2014/main" id="{773C68EF-2254-C23B-03DD-A0FEA9490465}"/>
+              </a:ext>
+            </a:extLst>
+          </p:cNvPr>
+          <p:cNvSpPr/>
+          <p:nvPr/>
+        </p:nvSpPr>
+        <p:spPr>
+          <a:xfrm>
+            <a:off x="3569856" y="2538776"/>
+            <a:ext cx="2002323" cy="455566"/>
+          </a:xfrm>
+          <a:prstGeom prst="roundRect">
+            <a:avLst/>
+          </a:prstGeom>
+          <a:solidFill>
+            <a:schemeClr val="accent4">
+              <a:lumMod val="40000"/>
+              <a:lumOff val="60000"/>
+            </a:schemeClr>
+          </a:solidFill>
+          <a:ln>
+            <a:solidFill>
+              <a:schemeClr val="accent4"/>
+            </a:solidFill>
+          </a:ln>
+        </p:spPr>
+        <p:style>
+          <a:lnRef idx="2">
+            <a:schemeClr val="accent1">
+              <a:shade val="50000"/>
+            </a:schemeClr>
+          </a:lnRef>
+          <a:fillRef idx="1">
+            <a:schemeClr val="accent1"/>
+          </a:fillRef>
+          <a:effectRef idx="0">
+            <a:schemeClr val="accent1"/>
+          </a:effectRef>
+          <a:fontRef idx="minor">
+            <a:schemeClr val="lt1"/>
+          </a:fontRef>
+        </p:style>
+        <p:txBody>
+          <a:bodyPr rot="0" spcFirstLastPara="0" vertOverflow="overflow" horzOverflow="overflow" vert="horz" wrap="square" lIns="0" tIns="0" rIns="0" bIns="0" numCol="1" spcCol="0" rtlCol="0" fromWordArt="0" anchor="ctr" anchorCtr="0" forceAA="0" compatLnSpc="1">
+            <a:prstTxWarp prst="textNoShape">
+              <a:avLst/>
+            </a:prstTxWarp>
+            <a:noAutofit/>
+          </a:bodyPr>
+          <a:lstStyle/>
+          <a:p>
+            <a:pPr algn="ctr"/>
+            <a:r>
+              <a:rPr lang="en-US" sz="1400" b="1" dirty="0">
+                <a:solidFill>
+                  <a:schemeClr val="tx1"/>
+                </a:solidFill>
+              </a:rPr>
+              <a:t>Required</a:t>
+            </a:r>
+            <a:r>
+              <a:rPr lang="en-US" sz="1400" b="1" dirty="0">
+                <a:solidFill>
+                  <a:schemeClr val="bg1"/>
+                </a:solidFill>
+              </a:rPr>
+              <a:t> </a:t>
+            </a:r>
+            <a:r>
+              <a:rPr lang="en-US" sz="1400" b="1" dirty="0">
+                <a:solidFill>
+                  <a:schemeClr val="tx1"/>
+                </a:solidFill>
+              </a:rPr>
+              <a:t>Skills</a:t>
+            </a:r>
+          </a:p>
+        </p:txBody>
+      </p:sp>
+      <p:sp>
+        <p:nvSpPr>
+          <p:cNvPr id="31" name="Rounded Rectangle 30">
+            <a:extLst>
+              <a:ext uri="{FF2B5EF4-FFF2-40B4-BE49-F238E27FC236}">
+                <a16:creationId xmlns:a16="http://schemas.microsoft.com/office/drawing/2014/main" id="{09EA9C04-2434-CE1B-1632-2AF06F359B8D}"/>
+              </a:ext>
+            </a:extLst>
+          </p:cNvPr>
+          <p:cNvSpPr/>
+          <p:nvPr/>
+        </p:nvSpPr>
+        <p:spPr>
+          <a:xfrm>
+            <a:off x="6313943" y="2901861"/>
+            <a:ext cx="2112261" cy="3399349"/>
+          </a:xfrm>
+          <a:prstGeom prst="roundRect">
+            <a:avLst/>
+          </a:prstGeom>
+          <a:solidFill>
+            <a:schemeClr val="accent6">
+              <a:lumMod val="20000"/>
+              <a:lumOff val="80000"/>
+            </a:schemeClr>
+          </a:solidFill>
+          <a:ln>
+            <a:solidFill>
+              <a:schemeClr val="accent6"/>
+            </a:solidFill>
+          </a:ln>
+        </p:spPr>
+        <p:style>
+          <a:lnRef idx="2">
+            <a:schemeClr val="accent1"/>
+          </a:lnRef>
+          <a:fillRef idx="1">
+            <a:schemeClr val="lt1"/>
+          </a:fillRef>
+          <a:effectRef idx="0">
+            <a:schemeClr val="accent1"/>
+          </a:effectRef>
+          <a:fontRef idx="minor">
+            <a:schemeClr val="dk1"/>
+          </a:fontRef>
+        </p:style>
+        <p:txBody>
+          <a:bodyPr rtlCol="0" anchor="ctr"/>
+          <a:lstStyle/>
+          <a:p>
+            <a:pPr marL="102870" indent="-102870">
+              <a:spcAft>
+                <a:spcPts val="600"/>
+              </a:spcAft>
+              <a:buFont typeface="Arial" panose="020B0604020202020204" pitchFamily="34" charset="0"/>
+              <a:buChar char="•"/>
+            </a:pPr>
+            <a:r>
+              <a:rPr lang="en-US" sz="1400" dirty="0">
+                <a:solidFill>
+                  <a:schemeClr val="tx1"/>
+                </a:solidFill>
+              </a:rPr>
+              <a:t>Manager/Sr. Manager – Finance/Marketing/ Product Analytics</a:t>
+            </a:r>
+          </a:p>
+          <a:p>
+            <a:pPr marL="102870" indent="-102870">
+              <a:spcAft>
+                <a:spcPts val="600"/>
+              </a:spcAft>
+              <a:buFont typeface="Arial" panose="020B0604020202020204" pitchFamily="34" charset="0"/>
+              <a:buChar char="•"/>
+            </a:pPr>
+            <a:r>
+              <a:rPr lang="en-US" sz="1400" dirty="0">
+                <a:solidFill>
+                  <a:schemeClr val="tx1"/>
+                </a:solidFill>
+              </a:rPr>
+              <a:t>Manager/Sr. Manager – Data Science</a:t>
+            </a:r>
+          </a:p>
+          <a:p>
+            <a:pPr marL="102870" indent="-102870">
+              <a:spcAft>
+                <a:spcPts val="600"/>
+              </a:spcAft>
+              <a:buFont typeface="Arial" panose="020B0604020202020204" pitchFamily="34" charset="0"/>
+              <a:buChar char="•"/>
+            </a:pPr>
+            <a:r>
+              <a:rPr lang="en-US" sz="1400" dirty="0">
+                <a:solidFill>
+                  <a:schemeClr val="tx1"/>
+                </a:solidFill>
+              </a:rPr>
+              <a:t>Manager/Sr. Manager – Business Intelligence</a:t>
+            </a:r>
+          </a:p>
+        </p:txBody>
+      </p:sp>
+      <p:sp>
+        <p:nvSpPr>
+          <p:cNvPr id="32" name="Rectangle: Rounded Corners 24">
+            <a:extLst>
+              <a:ext uri="{FF2B5EF4-FFF2-40B4-BE49-F238E27FC236}">
+                <a16:creationId xmlns:a16="http://schemas.microsoft.com/office/drawing/2014/main" id="{D001E375-DF9B-8B7B-AE39-EA33D0BB420B}"/>
+              </a:ext>
+            </a:extLst>
+          </p:cNvPr>
+          <p:cNvSpPr/>
+          <p:nvPr/>
+        </p:nvSpPr>
+        <p:spPr>
+          <a:xfrm>
+            <a:off x="6368262" y="2562131"/>
+            <a:ext cx="2002323" cy="432209"/>
+          </a:xfrm>
+          <a:prstGeom prst="roundRect">
+            <a:avLst/>
+          </a:prstGeom>
+          <a:solidFill>
+            <a:schemeClr val="accent6">
+              <a:lumMod val="60000"/>
+              <a:lumOff val="40000"/>
+            </a:schemeClr>
+          </a:solidFill>
+          <a:ln>
+            <a:solidFill>
+              <a:schemeClr val="accent6"/>
+            </a:solidFill>
+          </a:ln>
+        </p:spPr>
+        <p:style>
+          <a:lnRef idx="2">
+            <a:schemeClr val="accent1">
+              <a:shade val="50000"/>
+            </a:schemeClr>
+          </a:lnRef>
+          <a:fillRef idx="1">
+            <a:schemeClr val="accent1"/>
+          </a:fillRef>
+          <a:effectRef idx="0">
+            <a:schemeClr val="accent1"/>
+          </a:effectRef>
+          <a:fontRef idx="minor">
+            <a:schemeClr val="lt1"/>
+          </a:fontRef>
+        </p:style>
+        <p:txBody>
+          <a:bodyPr rot="0" spcFirstLastPara="0" vertOverflow="overflow" horzOverflow="overflow" vert="horz" wrap="square" lIns="0" tIns="0" rIns="0" bIns="0" numCol="1" spcCol="0" rtlCol="0" fromWordArt="0" anchor="ctr" anchorCtr="0" forceAA="0" compatLnSpc="1">
+            <a:prstTxWarp prst="textNoShape">
+              <a:avLst/>
+            </a:prstTxWarp>
+            <a:noAutofit/>
+          </a:bodyPr>
+          <a:lstStyle/>
+          <a:p>
+            <a:pPr algn="ctr"/>
+            <a:r>
+              <a:rPr lang="en-US" sz="1400" b="1" dirty="0">
+                <a:solidFill>
+                  <a:schemeClr val="tx1"/>
+                </a:solidFill>
+              </a:rPr>
+              <a:t>Career Paths/Roles</a:t>
+            </a:r>
+          </a:p>
+        </p:txBody>
+      </p:sp>
+      <p:sp>
+        <p:nvSpPr>
+          <p:cNvPr id="33" name="Rectangle: Rounded Corners 24">
+            <a:extLst>
+              <a:ext uri="{FF2B5EF4-FFF2-40B4-BE49-F238E27FC236}">
+                <a16:creationId xmlns:a16="http://schemas.microsoft.com/office/drawing/2014/main" id="{3B65EB87-98F1-4F9D-20E7-51FB3382DE05}"/>
+              </a:ext>
+            </a:extLst>
+          </p:cNvPr>
+          <p:cNvSpPr/>
+          <p:nvPr/>
+        </p:nvSpPr>
+        <p:spPr>
+          <a:xfrm>
+            <a:off x="215413" y="1414961"/>
+            <a:ext cx="1305568" cy="760491"/>
+          </a:xfrm>
+          <a:prstGeom prst="roundRect">
+            <a:avLst/>
+          </a:prstGeom>
+          <a:solidFill>
+            <a:schemeClr val="bg1">
+              <a:lumMod val="75000"/>
+            </a:schemeClr>
+          </a:solidFill>
+          <a:ln>
+            <a:solidFill>
+              <a:schemeClr val="bg1">
+                <a:lumMod val="50000"/>
+              </a:schemeClr>
+            </a:solidFill>
+          </a:ln>
+        </p:spPr>
+        <p:style>
+          <a:lnRef idx="2">
+            <a:schemeClr val="accent1">
+              <a:shade val="50000"/>
+            </a:schemeClr>
+          </a:lnRef>
+          <a:fillRef idx="1">
+            <a:schemeClr val="accent1"/>
+          </a:fillRef>
+          <a:effectRef idx="0">
+            <a:schemeClr val="accent1"/>
+          </a:effectRef>
+          <a:fontRef idx="minor">
+            <a:schemeClr val="lt1"/>
+          </a:fontRef>
+        </p:style>
+        <p:txBody>
+          <a:bodyPr rot="0" spcFirstLastPara="0" vertOverflow="overflow" horzOverflow="overflow" vert="horz" wrap="square" lIns="0" tIns="0" rIns="0" bIns="0" numCol="1" spcCol="0" rtlCol="0" fromWordArt="0" anchor="ctr" anchorCtr="0" forceAA="0" compatLnSpc="1">
+            <a:prstTxWarp prst="textNoShape">
+              <a:avLst/>
+            </a:prstTxWarp>
+            <a:noAutofit/>
+          </a:bodyPr>
+          <a:lstStyle/>
+          <a:p>
+            <a:pPr algn="ctr"/>
+            <a:r>
+              <a:rPr lang="en-US" sz="1400" b="1" dirty="0">
+                <a:solidFill>
+                  <a:schemeClr val="tx1"/>
+                </a:solidFill>
+              </a:rPr>
+              <a:t>Background</a:t>
+            </a:r>
+            <a:r>
+              <a:rPr lang="en-US" sz="1400" b="1" dirty="0">
+                <a:solidFill>
+                  <a:schemeClr val="bg1"/>
+                </a:solidFill>
+              </a:rPr>
+              <a:t> </a:t>
+            </a:r>
+          </a:p>
+        </p:txBody>
+      </p:sp>
+      <p:sp>
+        <p:nvSpPr>
+          <p:cNvPr id="38" name="Rounded Rectangle 37">
+            <a:extLst>
+              <a:ext uri="{FF2B5EF4-FFF2-40B4-BE49-F238E27FC236}">
+                <a16:creationId xmlns:a16="http://schemas.microsoft.com/office/drawing/2014/main" id="{C33A5142-1AA0-33D0-6D5F-041B14AFA088}"/>
+              </a:ext>
+            </a:extLst>
+          </p:cNvPr>
+          <p:cNvSpPr/>
+          <p:nvPr/>
+        </p:nvSpPr>
+        <p:spPr>
+          <a:xfrm>
+            <a:off x="9114827" y="2901860"/>
+            <a:ext cx="2112261" cy="3399349"/>
+          </a:xfrm>
+          <a:prstGeom prst="roundRect">
+            <a:avLst/>
+          </a:prstGeom>
+          <a:solidFill>
+            <a:schemeClr val="accent1">
+              <a:lumMod val="20000"/>
+              <a:lumOff val="80000"/>
+            </a:schemeClr>
+          </a:solidFill>
+          <a:ln>
+            <a:solidFill>
+              <a:schemeClr val="accent1"/>
+            </a:solidFill>
+          </a:ln>
+        </p:spPr>
+        <p:style>
+          <a:lnRef idx="2">
+            <a:schemeClr val="accent1"/>
+          </a:lnRef>
+          <a:fillRef idx="1">
+            <a:schemeClr val="lt1"/>
+          </a:fillRef>
+          <a:effectRef idx="0">
+            <a:schemeClr val="accent1"/>
+          </a:effectRef>
+          <a:fontRef idx="minor">
+            <a:schemeClr val="dk1"/>
+          </a:fontRef>
+        </p:style>
+        <p:txBody>
+          <a:bodyPr rtlCol="0" anchor="ctr"/>
+          <a:lstStyle/>
+          <a:p>
+            <a:pPr marL="102870" indent="-102870">
+              <a:spcAft>
+                <a:spcPts val="600"/>
+              </a:spcAft>
+              <a:buFont typeface="Arial" panose="020B0604020202020204" pitchFamily="34" charset="0"/>
+              <a:buChar char="•"/>
+            </a:pPr>
+            <a:r>
+              <a:rPr lang="en-US" sz="1400" dirty="0">
+                <a:solidFill>
+                  <a:schemeClr val="tx1"/>
+                </a:solidFill>
+              </a:rPr>
+              <a:t>Partner closely with Business owners to understand and setup right metrics for the performance</a:t>
+            </a:r>
+          </a:p>
+          <a:p>
+            <a:pPr marL="102870" indent="-102870">
+              <a:spcAft>
+                <a:spcPts val="600"/>
+              </a:spcAft>
+              <a:buFont typeface="Arial" panose="020B0604020202020204" pitchFamily="34" charset="0"/>
+              <a:buChar char="•"/>
+            </a:pPr>
+            <a:r>
+              <a:rPr lang="en-US" sz="1400" dirty="0">
+                <a:solidFill>
+                  <a:schemeClr val="tx1"/>
+                </a:solidFill>
+              </a:rPr>
+              <a:t>Guide/Cultivate best practices of analytics/ML Science</a:t>
+            </a:r>
+          </a:p>
+          <a:p>
+            <a:pPr marL="102870" indent="-102870">
+              <a:spcAft>
+                <a:spcPts val="600"/>
+              </a:spcAft>
+              <a:buFont typeface="Arial" panose="020B0604020202020204" pitchFamily="34" charset="0"/>
+              <a:buChar char="•"/>
+            </a:pPr>
+            <a:r>
+              <a:rPr lang="en-US" sz="1400" dirty="0">
+                <a:solidFill>
+                  <a:schemeClr val="tx1"/>
+                </a:solidFill>
+              </a:rPr>
+              <a:t>Strategic thinking in data driven solutions/approach</a:t>
+            </a:r>
+          </a:p>
+        </p:txBody>
+      </p:sp>
+      <p:sp>
+        <p:nvSpPr>
+          <p:cNvPr id="39" name="Rectangle: Rounded Corners 24">
+            <a:extLst>
+              <a:ext uri="{FF2B5EF4-FFF2-40B4-BE49-F238E27FC236}">
+                <a16:creationId xmlns:a16="http://schemas.microsoft.com/office/drawing/2014/main" id="{D6D6DE4D-A7F6-C703-1969-CA955213C8D1}"/>
+              </a:ext>
+            </a:extLst>
+          </p:cNvPr>
+          <p:cNvSpPr/>
+          <p:nvPr/>
+        </p:nvSpPr>
+        <p:spPr>
+          <a:xfrm>
+            <a:off x="9166666" y="2562132"/>
+            <a:ext cx="2002323" cy="432208"/>
+          </a:xfrm>
+          <a:prstGeom prst="roundRect">
+            <a:avLst/>
+          </a:prstGeom>
+          <a:solidFill>
+            <a:schemeClr val="accent1">
+              <a:lumMod val="60000"/>
+              <a:lumOff val="40000"/>
+            </a:schemeClr>
+          </a:solidFill>
+          <a:ln>
+            <a:solidFill>
+              <a:schemeClr val="accent1"/>
+            </a:solidFill>
+          </a:ln>
+        </p:spPr>
+        <p:style>
+          <a:lnRef idx="2">
+            <a:schemeClr val="accent1">
+              <a:shade val="50000"/>
+            </a:schemeClr>
+          </a:lnRef>
+          <a:fillRef idx="1">
+            <a:schemeClr val="accent1"/>
+          </a:fillRef>
+          <a:effectRef idx="0">
+            <a:schemeClr val="accent1"/>
+          </a:effectRef>
+          <a:fontRef idx="minor">
+            <a:schemeClr val="lt1"/>
+          </a:fontRef>
+        </p:style>
+        <p:txBody>
+          <a:bodyPr rot="0" spcFirstLastPara="0" vertOverflow="overflow" horzOverflow="overflow" vert="horz" wrap="square" lIns="0" tIns="0" rIns="0" bIns="0" numCol="1" spcCol="0" rtlCol="0" fromWordArt="0" anchor="ctr" anchorCtr="0" forceAA="0" compatLnSpc="1">
+            <a:prstTxWarp prst="textNoShape">
+              <a:avLst/>
+            </a:prstTxWarp>
+            <a:noAutofit/>
+          </a:bodyPr>
+          <a:lstStyle/>
+          <a:p>
+            <a:pPr algn="ctr"/>
+            <a:r>
+              <a:rPr lang="en-US" sz="1400" b="1" dirty="0">
+                <a:solidFill>
+                  <a:schemeClr val="tx1"/>
+                </a:solidFill>
+              </a:rPr>
+              <a:t>Responsibilities</a:t>
+            </a:r>
+          </a:p>
+        </p:txBody>
+      </p:sp>
+      <p:sp>
+        <p:nvSpPr>
+          <p:cNvPr id="5" name="Title 1">
+            <a:extLst>
+              <a:ext uri="{FF2B5EF4-FFF2-40B4-BE49-F238E27FC236}">
+                <a16:creationId xmlns:a16="http://schemas.microsoft.com/office/drawing/2014/main" id="{106A0035-564E-8E99-B633-CE0E43481B80}"/>
+              </a:ext>
+            </a:extLst>
+          </p:cNvPr>
+          <p:cNvSpPr>
+            <a:spLocks noGrp="1"/>
+          </p:cNvSpPr>
+          <p:nvPr>
+            <p:ph type="title"/>
+          </p:nvPr>
+        </p:nvSpPr>
+        <p:spPr>
+          <a:xfrm>
+            <a:off x="115185" y="109529"/>
+            <a:ext cx="11942135" cy="1049316"/>
+          </a:xfrm>
+        </p:spPr>
+        <p:txBody>
+          <a:bodyPr>
+            <a:noAutofit/>
+          </a:bodyPr>
+          <a:lstStyle/>
+          <a:p>
+            <a:r>
+              <a:rPr lang="en-US" sz="3600" b="1" dirty="0"/>
+              <a:t>Senior Professional (10+ years exp.)</a:t>
+            </a:r>
+            <a:br>
+              <a:rPr lang="en-US" sz="3600" b="1" dirty="0"/>
+            </a:br>
+            <a:r>
+              <a:rPr lang="en-US" sz="2000" dirty="0"/>
+              <a:t>Non analytics/science professional with 10+ years of experience with little or no experience with data i.e. – Operations, Finance, Program managers, Marketing etc.</a:t>
+            </a:r>
+          </a:p>
+        </p:txBody>
+      </p:sp>
+    </p:spTree>
+    <p:extLst>
+      <p:ext uri="{BB962C8B-B14F-4D97-AF65-F5344CB8AC3E}">
+        <p14:creationId xmlns:p14="http://schemas.microsoft.com/office/powerpoint/2010/main" val="578318258"/>
+      </p:ext>
+    </p:extLst>
+  </p:cSld>
+  <p:clrMapOvr>
+    <a:masterClrMapping/>
+  </p:clrMapOvr>
+</p:sld>
+</file>
+
+<file path=ppt/slides/slide11.xml><?xml version="1.0" encoding="utf-8"?>
+<p:sld xmlns:a="http://schemas.openxmlformats.org/drawingml/2006/main" xmlns:r="http://schemas.openxmlformats.org/officeDocument/2006/relationships" xmlns:p="http://schemas.openxmlformats.org/presentationml/2006/main">
+  <p:cSld>
+    <p:spTree>
+      <p:nvGrpSpPr>
+        <p:cNvPr id="1" name=""/>
+        <p:cNvGrpSpPr/>
+        <p:nvPr/>
+      </p:nvGrpSpPr>
+      <p:grpSpPr>
+        <a:xfrm>
+          <a:off x="0" y="0"/>
+          <a:ext cx="0" cy="0"/>
+          <a:chOff x="0" y="0"/>
+          <a:chExt cx="0" cy="0"/>
+        </a:xfrm>
+      </p:grpSpPr>
+      <p:sp>
+        <p:nvSpPr>
           <p:cNvPr id="2" name="Title 1">
             <a:extLst>
               <a:ext uri="{FF2B5EF4-FFF2-40B4-BE49-F238E27FC236}">
@@ -10980,7 +12030,7 @@
 </p:sld>
 </file>
 
-<file path=ppt/slides/slide11.xml><?xml version="1.0" encoding="utf-8"?>
+<file path=ppt/slides/slide12.xml><?xml version="1.0" encoding="utf-8"?>
 <p:sld xmlns:a="http://schemas.openxmlformats.org/drawingml/2006/main" xmlns:r="http://schemas.openxmlformats.org/officeDocument/2006/relationships" xmlns:p="http://schemas.openxmlformats.org/presentationml/2006/main">
   <p:cSld>
     <p:spTree>
@@ -11449,7 +12499,7 @@
 </p:sld>
 </file>
 
-<file path=ppt/slides/slide12.xml><?xml version="1.0" encoding="utf-8"?>
+<file path=ppt/slides/slide13.xml><?xml version="1.0" encoding="utf-8"?>
 <p:sld xmlns:a="http://schemas.openxmlformats.org/drawingml/2006/main" xmlns:r="http://schemas.openxmlformats.org/officeDocument/2006/relationships" xmlns:p="http://schemas.openxmlformats.org/presentationml/2006/main">
   <p:cSld>
     <p:spTree>
@@ -13824,7 +14874,7 @@
 </p:sld>
 </file>
 
-<file path=ppt/slides/slide13.xml><?xml version="1.0" encoding="utf-8"?>
+<file path=ppt/slides/slide14.xml><?xml version="1.0" encoding="utf-8"?>
 <p:sld xmlns:a="http://schemas.openxmlformats.org/drawingml/2006/main" xmlns:r="http://schemas.openxmlformats.org/officeDocument/2006/relationships" xmlns:p="http://schemas.openxmlformats.org/presentationml/2006/main">
   <p:cSld>
     <p:spTree>
@@ -16104,7 +17154,7 @@
 </p:sld>
 </file>
 
-<file path=ppt/slides/slide14.xml><?xml version="1.0" encoding="utf-8"?>
+<file path=ppt/slides/slide15.xml><?xml version="1.0" encoding="utf-8"?>
 <p:sld xmlns:a="http://schemas.openxmlformats.org/drawingml/2006/main" xmlns:r="http://schemas.openxmlformats.org/officeDocument/2006/relationships" xmlns:p="http://schemas.openxmlformats.org/presentationml/2006/main">
   <p:cSld>
     <p:spTree>
@@ -16170,7 +17220,7 @@
 </p:sld>
 </file>
 
-<file path=ppt/slides/slide15.xml><?xml version="1.0" encoding="utf-8"?>
+<file path=ppt/slides/slide16.xml><?xml version="1.0" encoding="utf-8"?>
 <p:sld xmlns:a="http://schemas.openxmlformats.org/drawingml/2006/main" xmlns:r="http://schemas.openxmlformats.org/officeDocument/2006/relationships" xmlns:p="http://schemas.openxmlformats.org/presentationml/2006/main">
   <p:cSld>
     <p:bg>
@@ -16360,7 +17410,7 @@
 </p:sld>
 </file>
 
-<file path=ppt/slides/slide16.xml><?xml version="1.0" encoding="utf-8"?>
+<file path=ppt/slides/slide17.xml><?xml version="1.0" encoding="utf-8"?>
 <p:sld xmlns:a="http://schemas.openxmlformats.org/drawingml/2006/main" xmlns:r="http://schemas.openxmlformats.org/officeDocument/2006/relationships" xmlns:p="http://schemas.openxmlformats.org/presentationml/2006/main">
   <p:cSld>
     <p:bg>
@@ -16553,7 +17603,7 @@
 </p:sld>
 </file>
 
-<file path=ppt/slides/slide17.xml><?xml version="1.0" encoding="utf-8"?>
+<file path=ppt/slides/slide18.xml><?xml version="1.0" encoding="utf-8"?>
 <p:sld xmlns:a="http://schemas.openxmlformats.org/drawingml/2006/main" xmlns:r="http://schemas.openxmlformats.org/officeDocument/2006/relationships" xmlns:p="http://schemas.openxmlformats.org/presentationml/2006/main">
   <p:cSld>
     <p:bg>
@@ -16743,7 +17793,7 @@
 </p:sld>
 </file>
 
-<file path=ppt/slides/slide18.xml><?xml version="1.0" encoding="utf-8"?>
+<file path=ppt/slides/slide19.xml><?xml version="1.0" encoding="utf-8"?>
 <p:sld xmlns:a="http://schemas.openxmlformats.org/drawingml/2006/main" xmlns:r="http://schemas.openxmlformats.org/officeDocument/2006/relationships" xmlns:p="http://schemas.openxmlformats.org/presentationml/2006/main">
   <p:cSld>
     <p:bg>
@@ -16927,72 +17977,6 @@
     <p:extLst>
       <p:ext uri="{BB962C8B-B14F-4D97-AF65-F5344CB8AC3E}">
         <p14:creationId xmlns:p14="http://schemas.microsoft.com/office/powerpoint/2010/main" val="2669355323"/>
-      </p:ext>
-    </p:extLst>
-  </p:cSld>
-  <p:clrMapOvr>
-    <a:masterClrMapping/>
-  </p:clrMapOvr>
-</p:sld>
-</file>
-
-<file path=ppt/slides/slide19.xml><?xml version="1.0" encoding="utf-8"?>
-<p:sld xmlns:a="http://schemas.openxmlformats.org/drawingml/2006/main" xmlns:r="http://schemas.openxmlformats.org/officeDocument/2006/relationships" xmlns:p="http://schemas.openxmlformats.org/presentationml/2006/main">
-  <p:cSld>
-    <p:spTree>
-      <p:nvGrpSpPr>
-        <p:cNvPr id="1" name=""/>
-        <p:cNvGrpSpPr/>
-        <p:nvPr/>
-      </p:nvGrpSpPr>
-      <p:grpSpPr>
-        <a:xfrm>
-          <a:off x="0" y="0"/>
-          <a:ext cx="0" cy="0"/>
-          <a:chOff x="0" y="0"/>
-          <a:chExt cx="0" cy="0"/>
-        </a:xfrm>
-      </p:grpSpPr>
-      <p:sp>
-        <p:nvSpPr>
-          <p:cNvPr id="2" name="Title 1">
-            <a:extLst>
-              <a:ext uri="{FF2B5EF4-FFF2-40B4-BE49-F238E27FC236}">
-                <a16:creationId xmlns:a16="http://schemas.microsoft.com/office/drawing/2014/main" id="{08D23AA8-3CC3-6037-2181-74A2EC7AE2CE}"/>
-              </a:ext>
-            </a:extLst>
-          </p:cNvPr>
-          <p:cNvSpPr>
-            <a:spLocks noGrp="1"/>
-          </p:cNvSpPr>
-          <p:nvPr>
-            <p:ph type="title"/>
-          </p:nvPr>
-        </p:nvSpPr>
-        <p:spPr>
-          <a:xfrm>
-            <a:off x="2619913" y="3097609"/>
-            <a:ext cx="7385324" cy="662782"/>
-          </a:xfrm>
-        </p:spPr>
-        <p:txBody>
-          <a:bodyPr>
-            <a:normAutofit fontScale="90000"/>
-          </a:bodyPr>
-          <a:lstStyle/>
-          <a:p>
-            <a:pPr algn="ctr"/>
-            <a:r>
-              <a:rPr lang="en-US" dirty="0"/>
-              <a:t>Q&amp;A</a:t>
-            </a:r>
-          </a:p>
-        </p:txBody>
-      </p:sp>
-    </p:spTree>
-    <p:extLst>
-      <p:ext uri="{BB962C8B-B14F-4D97-AF65-F5344CB8AC3E}">
-        <p14:creationId xmlns:p14="http://schemas.microsoft.com/office/powerpoint/2010/main" val="2538217983"/>
       </p:ext>
     </p:extLst>
   </p:cSld>
@@ -17180,6 +18164,72 @@
     <p:extLst>
       <p:ext uri="{BB962C8B-B14F-4D97-AF65-F5344CB8AC3E}">
         <p14:creationId xmlns:p14="http://schemas.microsoft.com/office/powerpoint/2010/main" val="2234416907"/>
+      </p:ext>
+    </p:extLst>
+  </p:cSld>
+  <p:clrMapOvr>
+    <a:masterClrMapping/>
+  </p:clrMapOvr>
+</p:sld>
+</file>
+
+<file path=ppt/slides/slide20.xml><?xml version="1.0" encoding="utf-8"?>
+<p:sld xmlns:a="http://schemas.openxmlformats.org/drawingml/2006/main" xmlns:r="http://schemas.openxmlformats.org/officeDocument/2006/relationships" xmlns:p="http://schemas.openxmlformats.org/presentationml/2006/main">
+  <p:cSld>
+    <p:spTree>
+      <p:nvGrpSpPr>
+        <p:cNvPr id="1" name=""/>
+        <p:cNvGrpSpPr/>
+        <p:nvPr/>
+      </p:nvGrpSpPr>
+      <p:grpSpPr>
+        <a:xfrm>
+          <a:off x="0" y="0"/>
+          <a:ext cx="0" cy="0"/>
+          <a:chOff x="0" y="0"/>
+          <a:chExt cx="0" cy="0"/>
+        </a:xfrm>
+      </p:grpSpPr>
+      <p:sp>
+        <p:nvSpPr>
+          <p:cNvPr id="2" name="Title 1">
+            <a:extLst>
+              <a:ext uri="{FF2B5EF4-FFF2-40B4-BE49-F238E27FC236}">
+                <a16:creationId xmlns:a16="http://schemas.microsoft.com/office/drawing/2014/main" id="{08D23AA8-3CC3-6037-2181-74A2EC7AE2CE}"/>
+              </a:ext>
+            </a:extLst>
+          </p:cNvPr>
+          <p:cNvSpPr>
+            <a:spLocks noGrp="1"/>
+          </p:cNvSpPr>
+          <p:nvPr>
+            <p:ph type="title"/>
+          </p:nvPr>
+        </p:nvSpPr>
+        <p:spPr>
+          <a:xfrm>
+            <a:off x="2619913" y="3097609"/>
+            <a:ext cx="7385324" cy="662782"/>
+          </a:xfrm>
+        </p:spPr>
+        <p:txBody>
+          <a:bodyPr>
+            <a:normAutofit fontScale="90000"/>
+          </a:bodyPr>
+          <a:lstStyle/>
+          <a:p>
+            <a:pPr algn="ctr"/>
+            <a:r>
+              <a:rPr lang="en-US" dirty="0"/>
+              <a:t>Q&amp;A</a:t>
+            </a:r>
+          </a:p>
+        </p:txBody>
+      </p:sp>
+    </p:spTree>
+    <p:extLst>
+      <p:ext uri="{BB962C8B-B14F-4D97-AF65-F5344CB8AC3E}">
+        <p14:creationId xmlns:p14="http://schemas.microsoft.com/office/powerpoint/2010/main" val="2538217983"/>
       </p:ext>
     </p:extLst>
   </p:cSld>
@@ -21138,6 +22188,22 @@
               </a:rPr>
               <a:t>Education – </a:t>
             </a:r>
+            <a:r>
+              <a:rPr lang="en-US" sz="1200" b="1" dirty="0" err="1">
+                <a:solidFill>
+                  <a:schemeClr val="tx1"/>
+                </a:solidFill>
+              </a:rPr>
+              <a:t>Maths</a:t>
+            </a:r>
+            <a:r>
+              <a:rPr lang="en-US" sz="1200" b="1" dirty="0">
+                <a:solidFill>
+                  <a:schemeClr val="tx1"/>
+                </a:solidFill>
+              </a:rPr>
+              <a:t>/stats/economics </a:t>
+            </a:r>
           </a:p>
           <a:p>
             <a:pPr marL="285750" indent="-285750">
@@ -21184,14 +22250,14 @@
           <a:lstStyle/>
           <a:p>
             <a:r>
-              <a:rPr lang="en-US" sz="3600" b="1" dirty="0"/>
-              <a:t>Mid-Senior Professional (5-10 years exp.)</a:t>
+              <a:rPr lang="en-US" sz="3200" b="1" dirty="0"/>
+              <a:t>Mid-Senior Professional (5-10 years exp.) with quantitative background</a:t>
             </a:r>
             <a:br>
-              <a:rPr lang="en-US" sz="3600" b="1" dirty="0"/>
+              <a:rPr lang="en-US" sz="3200" b="1" dirty="0"/>
             </a:br>
             <a:r>
-              <a:rPr lang="en-US" sz="2000" dirty="0"/>
+              <a:rPr lang="en-US" sz="1800" dirty="0"/>
               <a:t>Non analytics/science professional with 5-10 years of experience with little or no experience with data i.e. – Operations, Finance, Program managers, Marketing etc.</a:t>
             </a:r>
           </a:p>
@@ -21254,14 +22320,11 @@
               <a:buFont typeface="Arial" panose="020B0604020202020204" pitchFamily="34" charset="0"/>
               <a:buChar char="•"/>
             </a:pPr>
-            <a:r>
-              <a:rPr lang="en-US" sz="1400" dirty="0">
-                <a:solidFill>
-                  <a:schemeClr val="tx1"/>
-                </a:solidFill>
-              </a:rPr>
-              <a:t>Ops Tools</a:t>
-            </a:r>
+            <a:endParaRPr lang="en-US" sz="1400" dirty="0">
+              <a:solidFill>
+                <a:schemeClr val="tx1"/>
+              </a:solidFill>
+            </a:endParaRPr>
           </a:p>
           <a:p>
             <a:pPr marL="102870" indent="-102870">
@@ -21330,6 +22393,35 @@
               </a:rPr>
               <a:t>Business KPIs tracking</a:t>
             </a:r>
+          </a:p>
+          <a:p>
+            <a:pPr marL="102870" indent="-102870">
+              <a:spcAft>
+                <a:spcPts val="600"/>
+              </a:spcAft>
+              <a:buFont typeface="Arial" panose="020B0604020202020204" pitchFamily="34" charset="0"/>
+              <a:buChar char="•"/>
+            </a:pPr>
+            <a:r>
+              <a:rPr lang="en-US" sz="1400" dirty="0">
+                <a:solidFill>
+                  <a:schemeClr val="tx1"/>
+                </a:solidFill>
+              </a:rPr>
+              <a:t>Data analysis, Numbers interpretation, Excel reporting etc.</a:t>
+            </a:r>
+          </a:p>
+          <a:p>
+            <a:pPr>
+              <a:spcAft>
+                <a:spcPts val="600"/>
+              </a:spcAft>
+            </a:pPr>
+            <a:endParaRPr lang="en-US" sz="1400" dirty="0">
+              <a:solidFill>
+                <a:schemeClr val="tx1"/>
+              </a:solidFill>
+            </a:endParaRPr>
           </a:p>
         </p:txBody>
       </p:sp>
@@ -21482,7 +22574,7 @@
                   <a:schemeClr val="tx1"/>
                 </a:solidFill>
               </a:rPr>
-              <a:t>Data Analytical skills – Descriptive, diagnostic and prescriptive </a:t>
+              <a:t>Data Science skills – ML solutions, Advanced</a:t>
             </a:r>
           </a:p>
           <a:p>
@@ -21499,7 +22591,7 @@
                   <a:schemeClr val="tx1"/>
                 </a:solidFill>
               </a:rPr>
-              <a:t>Data Science skills – ML solutions</a:t>
+              <a:t>Advanced Data Analytics – Prescriptive data, strategy etc.</a:t>
             </a:r>
           </a:p>
         </p:txBody>
@@ -22164,7 +23256,7 @@
                   <a:schemeClr val="tx1"/>
                 </a:solidFill>
               </a:rPr>
-              <a:t>Education – </a:t>
+              <a:t>Education – Social Science, Diploma etc.</a:t>
             </a:r>
           </a:p>
           <a:p>
@@ -22179,6 +23271,56 @@
                 </a:solidFill>
               </a:rPr>
               <a:t>Goal – Aspiring a Senior Data scientist/Analyst role </a:t>
+            </a:r>
+          </a:p>
+        </p:txBody>
+      </p:sp>
+      <p:sp>
+        <p:nvSpPr>
+          <p:cNvPr id="24" name="Title 1">
+            <a:extLst>
+              <a:ext uri="{FF2B5EF4-FFF2-40B4-BE49-F238E27FC236}">
+                <a16:creationId xmlns:a16="http://schemas.microsoft.com/office/drawing/2014/main" id="{4320D15F-D78E-5FA1-83E1-6B172231C0E7}"/>
+              </a:ext>
+            </a:extLst>
+          </p:cNvPr>
+          <p:cNvSpPr>
+            <a:spLocks noGrp="1"/>
+          </p:cNvSpPr>
+          <p:nvPr>
+            <p:ph type="title"/>
+          </p:nvPr>
+        </p:nvSpPr>
+        <p:spPr>
+          <a:xfrm>
+            <a:off x="115185" y="109529"/>
+            <a:ext cx="11942135" cy="1049316"/>
+          </a:xfrm>
+        </p:spPr>
+        <p:txBody>
+          <a:bodyPr>
+            <a:noAutofit/>
+          </a:bodyPr>
+          <a:lstStyle/>
+          <a:p>
+            <a:r>
+              <a:rPr lang="en-US" sz="3200" b="1" dirty="0"/>
+              <a:t>Mid-Senior Professional (5-10 years exp.) non quantitative background</a:t>
+            </a:r>
+            <a:br>
+              <a:rPr lang="en-US" sz="3200" b="1" dirty="0"/>
+            </a:br>
+            <a:r>
+              <a:rPr lang="en-US" sz="1800" dirty="0"/>
+              <a:t>Non analytics/science professional with 5-10 years of experience with little or no experience with data i.e. – Operations, Finance, Program managers, Marketing </a:t>
+            </a:r>
+            <a:r>
+              <a:rPr lang="en-US" sz="1800" dirty="0" err="1"/>
+              <a:t>etc</a:t>
+            </a:r>
+            <a:r>
+              <a:rPr lang="en-US" sz="1800" dirty="0"/>
+              <a:t> without any Math, statistical and economics education</a:t>
             </a:r>
           </a:p>
         </p:txBody>
@@ -22263,7 +23405,7 @@
                   <a:schemeClr val="tx1"/>
                 </a:solidFill>
               </a:rPr>
-              <a:t>Finance/Accounting Frameworks </a:t>
+              <a:t>Finance/Accounting Frameworks</a:t>
             </a:r>
           </a:p>
           <a:p>
@@ -22280,7 +23422,7 @@
                   <a:schemeClr val="tx1"/>
                 </a:solidFill>
               </a:rPr>
-              <a:t>Marketing Head</a:t>
+              <a:t>Marketing Measurements</a:t>
             </a:r>
           </a:p>
           <a:p>
@@ -22297,7 +23439,7 @@
                   <a:schemeClr val="tx1"/>
                 </a:solidFill>
               </a:rPr>
-              <a:t>Business/domain head</a:t>
+              <a:t>Business/domain expertise</a:t>
             </a:r>
           </a:p>
           <a:p>
@@ -22468,7 +23610,7 @@
                   <a:schemeClr val="tx1"/>
                 </a:solidFill>
               </a:rPr>
-              <a:t>Deep understanding of across the funnel marketing/customer/product analytics</a:t>
+              <a:t>Data Analytical skills – Descriptive, diagnostic and prescriptive </a:t>
             </a:r>
           </a:p>
           <a:p>
@@ -22485,24 +23627,7 @@
                   <a:schemeClr val="tx1"/>
                 </a:solidFill>
               </a:rPr>
-              <a:t>Data Science/ML  capabilities</a:t>
-            </a:r>
-          </a:p>
-          <a:p>
-            <a:pPr marL="102870" indent="-102870">
-              <a:spcAft>
-                <a:spcPts val="600"/>
-              </a:spcAft>
-              <a:buFont typeface="Arial" panose="020B0604020202020204" pitchFamily="34" charset="0"/>
-              <a:buChar char="•"/>
-            </a:pPr>
-            <a:r>
-              <a:rPr lang="en-US" sz="1400" dirty="0">
-                <a:solidFill>
-                  <a:schemeClr val="tx1"/>
-                </a:solidFill>
-              </a:rPr>
-              <a:t>Data backed decision making</a:t>
+              <a:t>Competitive Intelligence data analytics</a:t>
             </a:r>
           </a:p>
         </p:txBody>
@@ -22655,7 +23780,7 @@
                   <a:schemeClr val="tx1"/>
                 </a:solidFill>
               </a:rPr>
-              <a:t>Manager/Sr. Manager – Finance/Marketing/ Product Analytics</a:t>
+              <a:t>Senior Data Analyst – Finance, Marketing</a:t>
             </a:r>
           </a:p>
           <a:p>
@@ -22672,7 +23797,7 @@
                   <a:schemeClr val="tx1"/>
                 </a:solidFill>
               </a:rPr>
-              <a:t>Manager/Sr. Manager – Data Science</a:t>
+              <a:t>Senior Data Scientist - Finance, Marketing</a:t>
             </a:r>
           </a:p>
           <a:p>
@@ -22689,7 +23814,24 @@
                   <a:schemeClr val="tx1"/>
                 </a:solidFill>
               </a:rPr>
-              <a:t>Manager/Sr. Manager – Business Intelligence</a:t>
+              <a:t>Business Intelligence Analyst - Finance, Marketing</a:t>
+            </a:r>
+          </a:p>
+          <a:p>
+            <a:pPr marL="102870" indent="-102870">
+              <a:spcAft>
+                <a:spcPts val="600"/>
+              </a:spcAft>
+              <a:buFont typeface="Arial" panose="020B0604020202020204" pitchFamily="34" charset="0"/>
+              <a:buChar char="•"/>
+            </a:pPr>
+            <a:r>
+              <a:rPr lang="en-US" sz="1400" dirty="0">
+                <a:solidFill>
+                  <a:schemeClr val="tx1"/>
+                </a:solidFill>
+              </a:rPr>
+              <a:t>Senior Product Analyst/Data Scientist</a:t>
             </a:r>
           </a:p>
         </p:txBody>
@@ -22904,7 +24046,7 @@
                   <a:schemeClr val="tx1"/>
                 </a:solidFill>
               </a:rPr>
-              <a:t>Partner closely with Business owners to understand and setup right metrics for the performance</a:t>
+              <a:t>Identify Key metrics to track the performance of the business</a:t>
             </a:r>
           </a:p>
           <a:p>
@@ -22921,7 +24063,7 @@
                   <a:schemeClr val="tx1"/>
                 </a:solidFill>
               </a:rPr>
-              <a:t>Guide/Cultivate best practices of analytics/ML Science</a:t>
+              <a:t>Engage in problem solving with other teams in collaboration</a:t>
             </a:r>
           </a:p>
           <a:p>
@@ -22938,7 +24080,24 @@
                   <a:schemeClr val="tx1"/>
                 </a:solidFill>
               </a:rPr>
-              <a:t>Strategic thinking in data driven solutions/approach</a:t>
+              <a:t>Support new product launches and setup A/B tests</a:t>
+            </a:r>
+          </a:p>
+          <a:p>
+            <a:pPr marL="102870" indent="-102870">
+              <a:spcAft>
+                <a:spcPts val="600"/>
+              </a:spcAft>
+              <a:buFont typeface="Arial" panose="020B0604020202020204" pitchFamily="34" charset="0"/>
+              <a:buChar char="•"/>
+            </a:pPr>
+            <a:r>
+              <a:rPr lang="en-US" sz="1400" dirty="0">
+                <a:solidFill>
+                  <a:schemeClr val="tx1"/>
+                </a:solidFill>
+              </a:rPr>
+              <a:t>Develop ML solutions to the business problems</a:t>
             </a:r>
           </a:p>
         </p:txBody>
@@ -23012,52 +24171,10 @@
           </a:p>
         </p:txBody>
       </p:sp>
-      <p:sp>
-        <p:nvSpPr>
-          <p:cNvPr id="5" name="Title 1">
-            <a:extLst>
-              <a:ext uri="{FF2B5EF4-FFF2-40B4-BE49-F238E27FC236}">
-                <a16:creationId xmlns:a16="http://schemas.microsoft.com/office/drawing/2014/main" id="{106A0035-564E-8E99-B633-CE0E43481B80}"/>
-              </a:ext>
-            </a:extLst>
-          </p:cNvPr>
-          <p:cNvSpPr>
-            <a:spLocks noGrp="1"/>
-          </p:cNvSpPr>
-          <p:nvPr>
-            <p:ph type="title"/>
-          </p:nvPr>
-        </p:nvSpPr>
-        <p:spPr>
-          <a:xfrm>
-            <a:off x="115185" y="109529"/>
-            <a:ext cx="11942135" cy="1049316"/>
-          </a:xfrm>
-        </p:spPr>
-        <p:txBody>
-          <a:bodyPr>
-            <a:noAutofit/>
-          </a:bodyPr>
-          <a:lstStyle/>
-          <a:p>
-            <a:r>
-              <a:rPr lang="en-US" sz="3600" b="1" dirty="0"/>
-              <a:t>Senior Professional (10+ years exp.)</a:t>
-            </a:r>
-            <a:br>
-              <a:rPr lang="en-US" sz="3600" b="1" dirty="0"/>
-            </a:br>
-            <a:r>
-              <a:rPr lang="en-US" sz="2000" dirty="0"/>
-              <a:t>Non analytics/science professional with 10+ years of experience with little or no experience with data i.e. – Operations, Finance, Program managers, Marketing etc.</a:t>
-            </a:r>
-          </a:p>
-        </p:txBody>
-      </p:sp>
     </p:spTree>
     <p:extLst>
       <p:ext uri="{BB962C8B-B14F-4D97-AF65-F5344CB8AC3E}">
-        <p14:creationId xmlns:p14="http://schemas.microsoft.com/office/powerpoint/2010/main" val="578318258"/>
+        <p14:creationId xmlns:p14="http://schemas.microsoft.com/office/powerpoint/2010/main" val="121318287"/>
       </p:ext>
     </p:extLst>
   </p:cSld>
